--- a/CCC_Senior/Week1/CountingSort.pptx
+++ b/CCC_Senior/Week1/CountingSort.pptx
@@ -5,19 +5,22 @@
     <p:sldMasterId id="2147483725" r:id="rId1"/>
   </p:sldMasterIdLst>
   <p:notesMasterIdLst>
-    <p:notesMasterId r:id="rId12"/>
+    <p:notesMasterId r:id="rId15"/>
   </p:notesMasterIdLst>
   <p:sldIdLst>
     <p:sldId id="256" r:id="rId2"/>
-    <p:sldId id="257" r:id="rId3"/>
-    <p:sldId id="258" r:id="rId4"/>
-    <p:sldId id="259" r:id="rId5"/>
-    <p:sldId id="260" r:id="rId6"/>
-    <p:sldId id="261" r:id="rId7"/>
-    <p:sldId id="264" r:id="rId8"/>
-    <p:sldId id="263" r:id="rId9"/>
-    <p:sldId id="262" r:id="rId10"/>
-    <p:sldId id="265" r:id="rId11"/>
+    <p:sldId id="266" r:id="rId3"/>
+    <p:sldId id="267" r:id="rId4"/>
+    <p:sldId id="268" r:id="rId5"/>
+    <p:sldId id="257" r:id="rId6"/>
+    <p:sldId id="258" r:id="rId7"/>
+    <p:sldId id="259" r:id="rId8"/>
+    <p:sldId id="260" r:id="rId9"/>
+    <p:sldId id="261" r:id="rId10"/>
+    <p:sldId id="264" r:id="rId11"/>
+    <p:sldId id="263" r:id="rId12"/>
+    <p:sldId id="262" r:id="rId13"/>
+    <p:sldId id="265" r:id="rId14"/>
   </p:sldIdLst>
   <p:sldSz cx="12192000" cy="6858000"/>
   <p:notesSz cx="6858000" cy="9144000"/>
@@ -116,6 +119,11 @@
       </a:defRPr>
     </a:lvl9pPr>
   </p:defaultTextStyle>
+  <p:extLst>
+    <p:ext uri="{EFAFB233-063F-42B5-8137-9DF3F51BA10A}">
+      <p15:sldGuideLst xmlns:p15="http://schemas.microsoft.com/office/powerpoint/2012/main"/>
+    </p:ext>
+  </p:extLst>
 </p:presentation>
 </file>
 
@@ -201,7 +209,7 @@
           <a:p>
             <a:fld id="{16915AC2-F78C-2343-BC61-C3DDF1CBE0B9}" type="datetimeFigureOut">
               <a:rPr lang="en-US" smtClean="0"/>
-              <a:t>6/30/22</a:t>
+              <a:t>10/6/22</a:t>
             </a:fld>
             <a:endParaRPr lang="en-US"/>
           </a:p>
@@ -552,7 +560,7 @@
           <a:p>
             <a:fld id="{79632E2E-05E7-0A45-9A71-610FC38C65F9}" type="slidenum">
               <a:rPr lang="en-US" smtClean="0"/>
-              <a:t>6</a:t>
+              <a:t>9</a:t>
             </a:fld>
             <a:endParaRPr lang="en-US"/>
           </a:p>
@@ -668,7 +676,7 @@
           <a:p>
             <a:fld id="{79632E2E-05E7-0A45-9A71-610FC38C65F9}" type="slidenum">
               <a:rPr lang="en-US" smtClean="0"/>
-              <a:t>9</a:t>
+              <a:t>12</a:t>
             </a:fld>
             <a:endParaRPr lang="en-US"/>
           </a:p>
@@ -836,7 +844,7 @@
           <a:p>
             <a:fld id="{C43A76A3-ADC8-4477-8FC1-B9DD55D84908}" type="datetime1">
               <a:rPr lang="en-US" smtClean="0"/>
-              <a:t>6/30/22</a:t>
+              <a:t>10/6/22</a:t>
             </a:fld>
             <a:endParaRPr lang="en-US" dirty="0"/>
           </a:p>
@@ -1034,7 +1042,7 @@
           <a:p>
             <a:fld id="{D6762538-DC4D-4667-96E5-B3278DDF8B12}" type="datetime1">
               <a:rPr lang="en-US" smtClean="0"/>
-              <a:t>6/30/22</a:t>
+              <a:t>10/6/22</a:t>
             </a:fld>
             <a:endParaRPr lang="en-US"/>
           </a:p>
@@ -1242,7 +1250,7 @@
           <a:p>
             <a:fld id="{05880548-5C08-4BE3-B63E-F2BB63B0B00C}" type="datetime1">
               <a:rPr lang="en-US" smtClean="0"/>
-              <a:t>6/30/22</a:t>
+              <a:t>10/6/22</a:t>
             </a:fld>
             <a:endParaRPr lang="en-US"/>
           </a:p>
@@ -1440,7 +1448,7 @@
           <a:p>
             <a:fld id="{DE7F49BE-398D-479A-8A7E-5DDBCA61EDCB}" type="datetime1">
               <a:rPr lang="en-US" smtClean="0"/>
-              <a:t>6/30/22</a:t>
+              <a:t>10/6/22</a:t>
             </a:fld>
             <a:endParaRPr lang="en-US"/>
           </a:p>
@@ -1716,7 +1724,7 @@
           <a:p>
             <a:fld id="{CCD0C193-4974-4A1F-9C63-07D595E30D66}" type="datetime1">
               <a:rPr lang="en-US" smtClean="0"/>
-              <a:t>6/30/22</a:t>
+              <a:t>10/6/22</a:t>
             </a:fld>
             <a:endParaRPr lang="en-US"/>
           </a:p>
@@ -1983,7 +1991,7 @@
           <a:p>
             <a:fld id="{701AA87F-28D4-4BF0-B81F-877A89DFD5AC}" type="datetime1">
               <a:rPr lang="en-US" smtClean="0"/>
-              <a:t>6/30/22</a:t>
+              <a:t>10/6/22</a:t>
             </a:fld>
             <a:endParaRPr lang="en-US"/>
           </a:p>
@@ -2397,7 +2405,7 @@
           <a:p>
             <a:fld id="{A8A9F1F3-208B-49A3-B337-9C8ACEB3E0E1}" type="datetime1">
               <a:rPr lang="en-US" smtClean="0"/>
-              <a:t>6/30/22</a:t>
+              <a:t>10/6/22</a:t>
             </a:fld>
             <a:endParaRPr lang="en-US"/>
           </a:p>
@@ -2544,7 +2552,7 @@
           <a:p>
             <a:fld id="{27AF6CA6-7293-4AA2-A0E0-A3BF4416E786}" type="datetime1">
               <a:rPr lang="en-US" smtClean="0"/>
-              <a:t>6/30/22</a:t>
+              <a:t>10/6/22</a:t>
             </a:fld>
             <a:endParaRPr lang="en-US"/>
           </a:p>
@@ -2657,7 +2665,7 @@
           <a:p>
             <a:fld id="{98D87016-7BCD-46FB-8EE3-AB6C369108B4}" type="datetime1">
               <a:rPr lang="en-US" smtClean="0"/>
-              <a:t>6/30/22</a:t>
+              <a:t>10/6/22</a:t>
             </a:fld>
             <a:endParaRPr lang="en-US"/>
           </a:p>
@@ -2976,7 +2984,7 @@
           <a:p>
             <a:fld id="{A1547011-1FFC-4EF8-9A2E-53B4AD2ADBD4}" type="datetime1">
               <a:rPr lang="en-US" smtClean="0"/>
-              <a:t>6/30/22</a:t>
+              <a:t>10/6/22</a:t>
             </a:fld>
             <a:endParaRPr lang="en-US"/>
           </a:p>
@@ -3271,7 +3279,7 @@
           <a:p>
             <a:fld id="{9562EB47-45B4-4EF5-A743-B4885DD2F060}" type="datetime1">
               <a:rPr lang="en-US" smtClean="0"/>
-              <a:t>6/30/22</a:t>
+              <a:t>10/6/22</a:t>
             </a:fld>
             <a:endParaRPr lang="en-US"/>
           </a:p>
@@ -4656,7 +4664,7 @@
           <a:p>
             <a:fld id="{4A8D24A4-5FEC-4062-8995-EB21925B3B40}" type="datetime1">
               <a:rPr lang="en-US" smtClean="0"/>
-              <a:t>6/30/22</a:t>
+              <a:t>10/6/22</a:t>
             </a:fld>
             <a:endParaRPr lang="en-US" sz="1000" dirty="0"/>
           </a:p>
@@ -6020,6 +6028,292 @@
           <p:cNvPr id="2" name="Title 1">
             <a:extLst>
               <a:ext uri="{FF2B5EF4-FFF2-40B4-BE49-F238E27FC236}">
+                <a16:creationId xmlns:a16="http://schemas.microsoft.com/office/drawing/2014/main" id="{0DBBBD24-4125-F24A-8CEA-14FE2BEE9867}"/>
+              </a:ext>
+            </a:extLst>
+          </p:cNvPr>
+          <p:cNvSpPr>
+            <a:spLocks noGrp="1"/>
+          </p:cNvSpPr>
+          <p:nvPr>
+            <p:ph type="title"/>
+          </p:nvPr>
+        </p:nvSpPr>
+        <p:spPr/>
+        <p:txBody>
+          <a:bodyPr/>
+          <a:lstStyle/>
+          <a:p>
+            <a:r>
+              <a:rPr lang="en-US" dirty="0"/>
+              <a:t>Let’s code Counting Sort…</a:t>
+            </a:r>
+          </a:p>
+        </p:txBody>
+      </p:sp>
+      <p:sp>
+        <p:nvSpPr>
+          <p:cNvPr id="3" name="Content Placeholder 2">
+            <a:extLst>
+              <a:ext uri="{FF2B5EF4-FFF2-40B4-BE49-F238E27FC236}">
+                <a16:creationId xmlns:a16="http://schemas.microsoft.com/office/drawing/2014/main" id="{844DFA85-44DE-2349-9D04-AD731B684FCD}"/>
+              </a:ext>
+            </a:extLst>
+          </p:cNvPr>
+          <p:cNvSpPr>
+            <a:spLocks noGrp="1"/>
+          </p:cNvSpPr>
+          <p:nvPr>
+            <p:ph idx="1"/>
+          </p:nvPr>
+        </p:nvSpPr>
+        <p:spPr/>
+        <p:txBody>
+          <a:bodyPr/>
+          <a:lstStyle/>
+          <a:p>
+            <a:endParaRPr lang="en-US" dirty="0"/>
+          </a:p>
+        </p:txBody>
+      </p:sp>
+    </p:spTree>
+    <p:extLst>
+      <p:ext uri="{BB962C8B-B14F-4D97-AF65-F5344CB8AC3E}">
+        <p14:creationId xmlns:p14="http://schemas.microsoft.com/office/powerpoint/2010/main" val="1377163490"/>
+      </p:ext>
+    </p:extLst>
+  </p:cSld>
+  <p:clrMapOvr>
+    <a:masterClrMapping/>
+  </p:clrMapOvr>
+</p:sld>
+</file>
+
+<file path=ppt/slides/slide11.xml><?xml version="1.0" encoding="utf-8"?>
+<p:sld xmlns:a="http://schemas.openxmlformats.org/drawingml/2006/main" xmlns:r="http://schemas.openxmlformats.org/officeDocument/2006/relationships" xmlns:p="http://schemas.openxmlformats.org/presentationml/2006/main">
+  <p:cSld>
+    <p:spTree>
+      <p:nvGrpSpPr>
+        <p:cNvPr id="1" name=""/>
+        <p:cNvGrpSpPr/>
+        <p:nvPr/>
+      </p:nvGrpSpPr>
+      <p:grpSpPr>
+        <a:xfrm>
+          <a:off x="0" y="0"/>
+          <a:ext cx="0" cy="0"/>
+          <a:chOff x="0" y="0"/>
+          <a:chExt cx="0" cy="0"/>
+        </a:xfrm>
+      </p:grpSpPr>
+      <p:sp>
+        <p:nvSpPr>
+          <p:cNvPr id="2" name="Title 1">
+            <a:extLst>
+              <a:ext uri="{FF2B5EF4-FFF2-40B4-BE49-F238E27FC236}">
+                <a16:creationId xmlns:a16="http://schemas.microsoft.com/office/drawing/2014/main" id="{5AA818DE-094D-AB49-9CB9-F908123A8675}"/>
+              </a:ext>
+            </a:extLst>
+          </p:cNvPr>
+          <p:cNvSpPr>
+            <a:spLocks noGrp="1"/>
+          </p:cNvSpPr>
+          <p:nvPr>
+            <p:ph type="title"/>
+          </p:nvPr>
+        </p:nvSpPr>
+        <p:spPr/>
+        <p:txBody>
+          <a:bodyPr/>
+          <a:lstStyle/>
+          <a:p>
+            <a:r>
+              <a:rPr lang="en-US" dirty="0"/>
+              <a:t>Properties of Counting Sort</a:t>
+            </a:r>
+          </a:p>
+        </p:txBody>
+      </p:sp>
+      <p:sp>
+        <p:nvSpPr>
+          <p:cNvPr id="3" name="Content Placeholder 2">
+            <a:extLst>
+              <a:ext uri="{FF2B5EF4-FFF2-40B4-BE49-F238E27FC236}">
+                <a16:creationId xmlns:a16="http://schemas.microsoft.com/office/drawing/2014/main" id="{36633D48-4EDD-4E4B-9109-BB8E521E0D82}"/>
+              </a:ext>
+            </a:extLst>
+          </p:cNvPr>
+          <p:cNvSpPr>
+            <a:spLocks noGrp="1"/>
+          </p:cNvSpPr>
+          <p:nvPr>
+            <p:ph idx="1"/>
+          </p:nvPr>
+        </p:nvSpPr>
+        <p:spPr/>
+        <p:txBody>
+          <a:bodyPr>
+            <a:normAutofit/>
+          </a:bodyPr>
+          <a:lstStyle/>
+          <a:p>
+            <a:pPr>
+              <a:lnSpc>
+                <a:spcPct val="150000"/>
+              </a:lnSpc>
+            </a:pPr>
+            <a:r>
+              <a:rPr lang="en-US" sz="2800" dirty="0"/>
+              <a:t>Runs in O(n) time, faster than comparison-based algorithms like quicksort or mergesort</a:t>
+            </a:r>
+          </a:p>
+          <a:p>
+            <a:pPr>
+              <a:lnSpc>
+                <a:spcPct val="150000"/>
+              </a:lnSpc>
+            </a:pPr>
+            <a:r>
+              <a:rPr lang="en-US" sz="2800" dirty="0"/>
+              <a:t>Only works when the range of items in the input is known</a:t>
+            </a:r>
+          </a:p>
+          <a:p>
+            <a:pPr>
+              <a:lnSpc>
+                <a:spcPct val="150000"/>
+              </a:lnSpc>
+            </a:pPr>
+            <a:r>
+              <a:rPr lang="en-US" sz="2800" dirty="0"/>
+              <a:t>Becomes inefficient when the range is too big, because the count array will take up too much space</a:t>
+            </a:r>
+          </a:p>
+        </p:txBody>
+      </p:sp>
+    </p:spTree>
+    <p:extLst>
+      <p:ext uri="{BB962C8B-B14F-4D97-AF65-F5344CB8AC3E}">
+        <p14:creationId xmlns:p14="http://schemas.microsoft.com/office/powerpoint/2010/main" val="4187443330"/>
+      </p:ext>
+    </p:extLst>
+  </p:cSld>
+  <p:clrMapOvr>
+    <a:masterClrMapping/>
+  </p:clrMapOvr>
+</p:sld>
+</file>
+
+<file path=ppt/slides/slide12.xml><?xml version="1.0" encoding="utf-8"?>
+<p:sld xmlns:a="http://schemas.openxmlformats.org/drawingml/2006/main" xmlns:r="http://schemas.openxmlformats.org/officeDocument/2006/relationships" xmlns:p="http://schemas.openxmlformats.org/presentationml/2006/main">
+  <p:cSld>
+    <p:spTree>
+      <p:nvGrpSpPr>
+        <p:cNvPr id="1" name=""/>
+        <p:cNvGrpSpPr/>
+        <p:nvPr/>
+      </p:nvGrpSpPr>
+      <p:grpSpPr>
+        <a:xfrm>
+          <a:off x="0" y="0"/>
+          <a:ext cx="0" cy="0"/>
+          <a:chOff x="0" y="0"/>
+          <a:chExt cx="0" cy="0"/>
+        </a:xfrm>
+      </p:grpSpPr>
+      <p:sp>
+        <p:nvSpPr>
+          <p:cNvPr id="2" name="Title 1">
+            <a:extLst>
+              <a:ext uri="{FF2B5EF4-FFF2-40B4-BE49-F238E27FC236}">
+                <a16:creationId xmlns:a16="http://schemas.microsoft.com/office/drawing/2014/main" id="{D24E1167-3DB5-064B-8DFC-01DA983DAB5D}"/>
+              </a:ext>
+            </a:extLst>
+          </p:cNvPr>
+          <p:cNvSpPr>
+            <a:spLocks noGrp="1"/>
+          </p:cNvSpPr>
+          <p:nvPr>
+            <p:ph type="title"/>
+          </p:nvPr>
+        </p:nvSpPr>
+        <p:spPr/>
+        <p:txBody>
+          <a:bodyPr/>
+          <a:lstStyle/>
+          <a:p>
+            <a:r>
+              <a:rPr lang="en-US" dirty="0"/>
+              <a:t>CCC 2017-S3 Nailed It!</a:t>
+            </a:r>
+          </a:p>
+        </p:txBody>
+      </p:sp>
+      <p:pic>
+        <p:nvPicPr>
+          <p:cNvPr id="4" name="Picture 3">
+            <a:extLst>
+              <a:ext uri="{FF2B5EF4-FFF2-40B4-BE49-F238E27FC236}">
+                <a16:creationId xmlns:a16="http://schemas.microsoft.com/office/drawing/2014/main" id="{CCCDB3BE-D05B-D24D-BEA4-F59E7979559E}"/>
+              </a:ext>
+            </a:extLst>
+          </p:cNvPr>
+          <p:cNvPicPr>
+            <a:picLocks noChangeAspect="1"/>
+          </p:cNvPicPr>
+          <p:nvPr/>
+        </p:nvPicPr>
+        <p:blipFill>
+          <a:blip r:embed="rId3"/>
+          <a:stretch>
+            <a:fillRect/>
+          </a:stretch>
+        </p:blipFill>
+        <p:spPr>
+          <a:xfrm>
+            <a:off x="777240" y="1647722"/>
+            <a:ext cx="7865315" cy="4735748"/>
+          </a:xfrm>
+          <a:prstGeom prst="rect">
+            <a:avLst/>
+          </a:prstGeom>
+        </p:spPr>
+      </p:pic>
+    </p:spTree>
+    <p:extLst>
+      <p:ext uri="{BB962C8B-B14F-4D97-AF65-F5344CB8AC3E}">
+        <p14:creationId xmlns:p14="http://schemas.microsoft.com/office/powerpoint/2010/main" val="672253183"/>
+      </p:ext>
+    </p:extLst>
+  </p:cSld>
+  <p:clrMapOvr>
+    <a:masterClrMapping/>
+  </p:clrMapOvr>
+</p:sld>
+</file>
+
+<file path=ppt/slides/slide13.xml><?xml version="1.0" encoding="utf-8"?>
+<p:sld xmlns:a="http://schemas.openxmlformats.org/drawingml/2006/main" xmlns:r="http://schemas.openxmlformats.org/officeDocument/2006/relationships" xmlns:p="http://schemas.openxmlformats.org/presentationml/2006/main">
+  <p:cSld>
+    <p:spTree>
+      <p:nvGrpSpPr>
+        <p:cNvPr id="1" name=""/>
+        <p:cNvGrpSpPr/>
+        <p:nvPr/>
+      </p:nvGrpSpPr>
+      <p:grpSpPr>
+        <a:xfrm>
+          <a:off x="0" y="0"/>
+          <a:ext cx="0" cy="0"/>
+          <a:chOff x="0" y="0"/>
+          <a:chExt cx="0" cy="0"/>
+        </a:xfrm>
+      </p:grpSpPr>
+      <p:sp>
+        <p:nvSpPr>
+          <p:cNvPr id="2" name="Title 1">
+            <a:extLst>
+              <a:ext uri="{FF2B5EF4-FFF2-40B4-BE49-F238E27FC236}">
                 <a16:creationId xmlns:a16="http://schemas.microsoft.com/office/drawing/2014/main" id="{064C9F34-87AA-AC4A-8E85-FF125E2B35FC}"/>
               </a:ext>
             </a:extLst>
@@ -6159,6 +6453,529 @@
           <p:cNvPr id="2" name="Title 1">
             <a:extLst>
               <a:ext uri="{FF2B5EF4-FFF2-40B4-BE49-F238E27FC236}">
+                <a16:creationId xmlns:a16="http://schemas.microsoft.com/office/drawing/2014/main" id="{498763B3-5778-E441-AA75-529CC3FD9306}"/>
+              </a:ext>
+            </a:extLst>
+          </p:cNvPr>
+          <p:cNvSpPr>
+            <a:spLocks noGrp="1"/>
+          </p:cNvSpPr>
+          <p:nvPr>
+            <p:ph type="title"/>
+          </p:nvPr>
+        </p:nvSpPr>
+        <p:spPr/>
+        <p:txBody>
+          <a:bodyPr/>
+          <a:lstStyle/>
+          <a:p>
+            <a:r>
+              <a:rPr lang="en-US" dirty="0"/>
+              <a:t>What is an algorithm?</a:t>
+            </a:r>
+          </a:p>
+        </p:txBody>
+      </p:sp>
+      <p:sp>
+        <p:nvSpPr>
+          <p:cNvPr id="3" name="Content Placeholder 2">
+            <a:extLst>
+              <a:ext uri="{FF2B5EF4-FFF2-40B4-BE49-F238E27FC236}">
+                <a16:creationId xmlns:a16="http://schemas.microsoft.com/office/drawing/2014/main" id="{FE8BCA45-F416-A84E-A14B-4E0A5B34D128}"/>
+              </a:ext>
+            </a:extLst>
+          </p:cNvPr>
+          <p:cNvSpPr>
+            <a:spLocks noGrp="1"/>
+          </p:cNvSpPr>
+          <p:nvPr>
+            <p:ph idx="1"/>
+          </p:nvPr>
+        </p:nvSpPr>
+        <p:spPr/>
+        <p:txBody>
+          <a:bodyPr>
+            <a:normAutofit/>
+          </a:bodyPr>
+          <a:lstStyle/>
+          <a:p>
+            <a:pPr>
+              <a:lnSpc>
+                <a:spcPct val="150000"/>
+              </a:lnSpc>
+            </a:pPr>
+            <a:r>
+              <a:rPr lang="en-US" sz="2400" dirty="0"/>
+              <a:t>A set of well-defined instructions to solve a particular problem</a:t>
+            </a:r>
+          </a:p>
+          <a:p>
+            <a:pPr>
+              <a:lnSpc>
+                <a:spcPct val="150000"/>
+              </a:lnSpc>
+            </a:pPr>
+            <a:r>
+              <a:rPr lang="en-US" sz="2400" dirty="0"/>
+              <a:t>Takes a set of input and produces the desired output</a:t>
+            </a:r>
+          </a:p>
+          <a:p>
+            <a:pPr>
+              <a:lnSpc>
+                <a:spcPct val="150000"/>
+              </a:lnSpc>
+            </a:pPr>
+            <a:r>
+              <a:rPr lang="en-US" sz="2400" dirty="0"/>
+              <a:t>Example: an algorithm to add two numbers</a:t>
+            </a:r>
+          </a:p>
+          <a:p>
+            <a:pPr lvl="1">
+              <a:lnSpc>
+                <a:spcPct val="150000"/>
+              </a:lnSpc>
+            </a:pPr>
+            <a:r>
+              <a:rPr lang="en-US" sz="2000" dirty="0"/>
+              <a:t>Take two numbers as input</a:t>
+            </a:r>
+          </a:p>
+          <a:p>
+            <a:pPr lvl="1">
+              <a:lnSpc>
+                <a:spcPct val="150000"/>
+              </a:lnSpc>
+            </a:pPr>
+            <a:r>
+              <a:rPr lang="en-US" sz="2000" dirty="0"/>
+              <a:t>Add numbers using the + operator</a:t>
+            </a:r>
+          </a:p>
+          <a:p>
+            <a:pPr lvl="1">
+              <a:lnSpc>
+                <a:spcPct val="150000"/>
+              </a:lnSpc>
+            </a:pPr>
+            <a:r>
+              <a:rPr lang="en-US" sz="2000" dirty="0"/>
+              <a:t>Display the result</a:t>
+            </a:r>
+          </a:p>
+        </p:txBody>
+      </p:sp>
+    </p:spTree>
+    <p:extLst>
+      <p:ext uri="{BB962C8B-B14F-4D97-AF65-F5344CB8AC3E}">
+        <p14:creationId xmlns:p14="http://schemas.microsoft.com/office/powerpoint/2010/main" val="2961679839"/>
+      </p:ext>
+    </p:extLst>
+  </p:cSld>
+  <p:clrMapOvr>
+    <a:masterClrMapping/>
+  </p:clrMapOvr>
+</p:sld>
+</file>
+
+<file path=ppt/slides/slide3.xml><?xml version="1.0" encoding="utf-8"?>
+<p:sld xmlns:a="http://schemas.openxmlformats.org/drawingml/2006/main" xmlns:r="http://schemas.openxmlformats.org/officeDocument/2006/relationships" xmlns:p="http://schemas.openxmlformats.org/presentationml/2006/main">
+  <p:cSld>
+    <p:spTree>
+      <p:nvGrpSpPr>
+        <p:cNvPr id="1" name=""/>
+        <p:cNvGrpSpPr/>
+        <p:nvPr/>
+      </p:nvGrpSpPr>
+      <p:grpSpPr>
+        <a:xfrm>
+          <a:off x="0" y="0"/>
+          <a:ext cx="0" cy="0"/>
+          <a:chOff x="0" y="0"/>
+          <a:chExt cx="0" cy="0"/>
+        </a:xfrm>
+      </p:grpSpPr>
+      <p:sp>
+        <p:nvSpPr>
+          <p:cNvPr id="2" name="Title 1">
+            <a:extLst>
+              <a:ext uri="{FF2B5EF4-FFF2-40B4-BE49-F238E27FC236}">
+                <a16:creationId xmlns:a16="http://schemas.microsoft.com/office/drawing/2014/main" id="{0C02939E-053D-3541-A543-63F45D62A134}"/>
+              </a:ext>
+            </a:extLst>
+          </p:cNvPr>
+          <p:cNvSpPr>
+            <a:spLocks noGrp="1"/>
+          </p:cNvSpPr>
+          <p:nvPr>
+            <p:ph type="title"/>
+          </p:nvPr>
+        </p:nvSpPr>
+        <p:spPr/>
+        <p:txBody>
+          <a:bodyPr/>
+          <a:lstStyle/>
+          <a:p>
+            <a:r>
+              <a:rPr lang="en-US" dirty="0"/>
+              <a:t>What is Pseudocode?</a:t>
+            </a:r>
+          </a:p>
+        </p:txBody>
+      </p:sp>
+      <p:sp>
+        <p:nvSpPr>
+          <p:cNvPr id="3" name="Content Placeholder 2">
+            <a:extLst>
+              <a:ext uri="{FF2B5EF4-FFF2-40B4-BE49-F238E27FC236}">
+                <a16:creationId xmlns:a16="http://schemas.microsoft.com/office/drawing/2014/main" id="{40D24907-74EF-2144-B839-19E73E4DD32F}"/>
+              </a:ext>
+            </a:extLst>
+          </p:cNvPr>
+          <p:cNvSpPr>
+            <a:spLocks noGrp="1"/>
+          </p:cNvSpPr>
+          <p:nvPr>
+            <p:ph idx="1"/>
+          </p:nvPr>
+        </p:nvSpPr>
+        <p:spPr/>
+        <p:txBody>
+          <a:bodyPr>
+            <a:normAutofit/>
+          </a:bodyPr>
+          <a:lstStyle/>
+          <a:p>
+            <a:pPr>
+              <a:lnSpc>
+                <a:spcPct val="150000"/>
+              </a:lnSpc>
+            </a:pPr>
+            <a:r>
+              <a:rPr lang="en-US" sz="2400" dirty="0"/>
+              <a:t>An artificial and informal language that helps programmers develop</a:t>
+            </a:r>
+            <a:r>
+              <a:rPr lang="en-US" sz="2400" b="1" dirty="0"/>
+              <a:t> algorithms</a:t>
+            </a:r>
+          </a:p>
+          <a:p>
+            <a:pPr>
+              <a:lnSpc>
+                <a:spcPct val="150000"/>
+              </a:lnSpc>
+            </a:pPr>
+            <a:r>
+              <a:rPr lang="en-US" sz="2400" dirty="0"/>
+              <a:t>A text-based algorithmic design tool</a:t>
+            </a:r>
+          </a:p>
+          <a:p>
+            <a:pPr>
+              <a:lnSpc>
+                <a:spcPct val="150000"/>
+              </a:lnSpc>
+            </a:pPr>
+            <a:r>
+              <a:rPr lang="en-US" sz="2400" dirty="0"/>
+              <a:t>Example: add two numbers entered by user</a:t>
+            </a:r>
+          </a:p>
+        </p:txBody>
+      </p:sp>
+      <p:pic>
+        <p:nvPicPr>
+          <p:cNvPr id="4" name="Picture 3">
+            <a:extLst>
+              <a:ext uri="{FF2B5EF4-FFF2-40B4-BE49-F238E27FC236}">
+                <a16:creationId xmlns:a16="http://schemas.microsoft.com/office/drawing/2014/main" id="{A144BBF3-51A4-8B43-ACFE-51FB30A38E55}"/>
+              </a:ext>
+            </a:extLst>
+          </p:cNvPr>
+          <p:cNvPicPr>
+            <a:picLocks noChangeAspect="1"/>
+          </p:cNvPicPr>
+          <p:nvPr/>
+        </p:nvPicPr>
+        <p:blipFill>
+          <a:blip r:embed="rId2"/>
+          <a:stretch>
+            <a:fillRect/>
+          </a:stretch>
+        </p:blipFill>
+        <p:spPr>
+          <a:xfrm>
+            <a:off x="777240" y="4030663"/>
+            <a:ext cx="9575800" cy="2146300"/>
+          </a:xfrm>
+          <a:prstGeom prst="rect">
+            <a:avLst/>
+          </a:prstGeom>
+        </p:spPr>
+      </p:pic>
+    </p:spTree>
+    <p:extLst>
+      <p:ext uri="{BB962C8B-B14F-4D97-AF65-F5344CB8AC3E}">
+        <p14:creationId xmlns:p14="http://schemas.microsoft.com/office/powerpoint/2010/main" val="2895171628"/>
+      </p:ext>
+    </p:extLst>
+  </p:cSld>
+  <p:clrMapOvr>
+    <a:masterClrMapping/>
+  </p:clrMapOvr>
+</p:sld>
+</file>
+
+<file path=ppt/slides/slide4.xml><?xml version="1.0" encoding="utf-8"?>
+<p:sld xmlns:a="http://schemas.openxmlformats.org/drawingml/2006/main" xmlns:r="http://schemas.openxmlformats.org/officeDocument/2006/relationships" xmlns:p="http://schemas.openxmlformats.org/presentationml/2006/main">
+  <p:cSld>
+    <p:spTree>
+      <p:nvGrpSpPr>
+        <p:cNvPr id="1" name=""/>
+        <p:cNvGrpSpPr/>
+        <p:nvPr/>
+      </p:nvGrpSpPr>
+      <p:grpSpPr>
+        <a:xfrm>
+          <a:off x="0" y="0"/>
+          <a:ext cx="0" cy="0"/>
+          <a:chOff x="0" y="0"/>
+          <a:chExt cx="0" cy="0"/>
+        </a:xfrm>
+      </p:grpSpPr>
+      <p:sp>
+        <p:nvSpPr>
+          <p:cNvPr id="2" name="Title 1">
+            <a:extLst>
+              <a:ext uri="{FF2B5EF4-FFF2-40B4-BE49-F238E27FC236}">
+                <a16:creationId xmlns:a16="http://schemas.microsoft.com/office/drawing/2014/main" id="{4058C40F-5859-1548-82F9-B6A9A9AEF956}"/>
+              </a:ext>
+            </a:extLst>
+          </p:cNvPr>
+          <p:cNvSpPr>
+            <a:spLocks noGrp="1"/>
+          </p:cNvSpPr>
+          <p:nvPr>
+            <p:ph type="title"/>
+          </p:nvPr>
+        </p:nvSpPr>
+        <p:spPr/>
+        <p:txBody>
+          <a:bodyPr/>
+          <a:lstStyle/>
+          <a:p>
+            <a:r>
+              <a:rPr lang="en-US" dirty="0"/>
+              <a:t>Sorting Algorithms</a:t>
+            </a:r>
+          </a:p>
+        </p:txBody>
+      </p:sp>
+      <p:sp>
+        <p:nvSpPr>
+          <p:cNvPr id="3" name="Content Placeholder 2">
+            <a:extLst>
+              <a:ext uri="{FF2B5EF4-FFF2-40B4-BE49-F238E27FC236}">
+                <a16:creationId xmlns:a16="http://schemas.microsoft.com/office/drawing/2014/main" id="{0EC0EBA2-245E-A047-9C68-FBF82D78BD6F}"/>
+              </a:ext>
+            </a:extLst>
+          </p:cNvPr>
+          <p:cNvSpPr>
+            <a:spLocks noGrp="1"/>
+          </p:cNvSpPr>
+          <p:nvPr>
+            <p:ph idx="1"/>
+          </p:nvPr>
+        </p:nvSpPr>
+        <p:spPr>
+          <a:xfrm>
+            <a:off x="397042" y="1825625"/>
+            <a:ext cx="6196264" cy="4351338"/>
+          </a:xfrm>
+        </p:spPr>
+        <p:txBody>
+          <a:bodyPr>
+            <a:normAutofit/>
+          </a:bodyPr>
+          <a:lstStyle/>
+          <a:p>
+            <a:pPr>
+              <a:lnSpc>
+                <a:spcPct val="150000"/>
+              </a:lnSpc>
+            </a:pPr>
+            <a:r>
+              <a:rPr lang="en-US" sz="2400" dirty="0"/>
+              <a:t>Used to rearrange elements of an array/list in a specific order (i.e. ascending/descending)</a:t>
+            </a:r>
+          </a:p>
+          <a:p>
+            <a:pPr>
+              <a:lnSpc>
+                <a:spcPct val="150000"/>
+              </a:lnSpc>
+            </a:pPr>
+            <a:r>
+              <a:rPr lang="en-US" sz="2400" dirty="0"/>
+              <a:t>Many sorting algorithms are </a:t>
+            </a:r>
+            <a:r>
+              <a:rPr lang="en-US" sz="2400" b="1" dirty="0"/>
+              <a:t>comparison based</a:t>
+            </a:r>
+            <a:r>
+              <a:rPr lang="en-US" sz="2400" dirty="0"/>
+              <a:t>: by using a comparison operation (i.e. “less than equal to” operator &lt;=) to determine which of two elements should occur first in the final sorted list</a:t>
+            </a:r>
+          </a:p>
+        </p:txBody>
+      </p:sp>
+      <p:pic>
+        <p:nvPicPr>
+          <p:cNvPr id="4" name="Picture 3">
+            <a:extLst>
+              <a:ext uri="{FF2B5EF4-FFF2-40B4-BE49-F238E27FC236}">
+                <a16:creationId xmlns:a16="http://schemas.microsoft.com/office/drawing/2014/main" id="{0AE71CDD-E799-4749-B457-3AFC12D180C2}"/>
+              </a:ext>
+            </a:extLst>
+          </p:cNvPr>
+          <p:cNvPicPr>
+            <a:picLocks noChangeAspect="1"/>
+          </p:cNvPicPr>
+          <p:nvPr/>
+        </p:nvPicPr>
+        <p:blipFill>
+          <a:blip r:embed="rId2"/>
+          <a:stretch>
+            <a:fillRect/>
+          </a:stretch>
+        </p:blipFill>
+        <p:spPr>
+          <a:xfrm>
+            <a:off x="6593306" y="2069432"/>
+            <a:ext cx="5273842" cy="3344666"/>
+          </a:xfrm>
+          <a:prstGeom prst="rect">
+            <a:avLst/>
+          </a:prstGeom>
+        </p:spPr>
+      </p:pic>
+    </p:spTree>
+    <p:extLst>
+      <p:ext uri="{BB962C8B-B14F-4D97-AF65-F5344CB8AC3E}">
+        <p14:creationId xmlns:p14="http://schemas.microsoft.com/office/powerpoint/2010/main" val="896748478"/>
+      </p:ext>
+    </p:extLst>
+  </p:cSld>
+  <p:clrMapOvr>
+    <a:masterClrMapping/>
+  </p:clrMapOvr>
+  <p:timing>
+    <p:tnLst>
+      <p:par>
+        <p:cTn id="1" dur="indefinite" restart="never" nodeType="tmRoot">
+          <p:childTnLst>
+            <p:seq concurrent="1" nextAc="seek">
+              <p:cTn id="2" dur="indefinite" nodeType="mainSeq">
+                <p:childTnLst>
+                  <p:par>
+                    <p:cTn id="3" fill="hold">
+                      <p:stCondLst>
+                        <p:cond delay="indefinite"/>
+                      </p:stCondLst>
+                      <p:childTnLst>
+                        <p:par>
+                          <p:cTn id="4" fill="hold">
+                            <p:stCondLst>
+                              <p:cond delay="0"/>
+                            </p:stCondLst>
+                            <p:childTnLst>
+                              <p:par>
+                                <p:cTn id="5" presetID="1" presetClass="entr" presetSubtype="0" fill="hold" nodeType="clickEffect">
+                                  <p:stCondLst>
+                                    <p:cond delay="0"/>
+                                  </p:stCondLst>
+                                  <p:childTnLst>
+                                    <p:set>
+                                      <p:cBhvr>
+                                        <p:cTn id="6" dur="1" fill="hold">
+                                          <p:stCondLst>
+                                            <p:cond delay="0"/>
+                                          </p:stCondLst>
+                                        </p:cTn>
+                                        <p:tgtEl>
+                                          <p:spTgt spid="3">
+                                            <p:txEl>
+                                              <p:pRg st="1" end="1"/>
+                                            </p:txEl>
+                                          </p:spTgt>
+                                        </p:tgtEl>
+                                        <p:attrNameLst>
+                                          <p:attrName>style.visibility</p:attrName>
+                                        </p:attrNameLst>
+                                      </p:cBhvr>
+                                      <p:to>
+                                        <p:strVal val="visible"/>
+                                      </p:to>
+                                    </p:set>
+                                  </p:childTnLst>
+                                </p:cTn>
+                              </p:par>
+                            </p:childTnLst>
+                          </p:cTn>
+                        </p:par>
+                      </p:childTnLst>
+                    </p:cTn>
+                  </p:par>
+                </p:childTnLst>
+              </p:cTn>
+              <p:prevCondLst>
+                <p:cond evt="onPrev" delay="0">
+                  <p:tgtEl>
+                    <p:sldTgt/>
+                  </p:tgtEl>
+                </p:cond>
+              </p:prevCondLst>
+              <p:nextCondLst>
+                <p:cond evt="onNext" delay="0">
+                  <p:tgtEl>
+                    <p:sldTgt/>
+                  </p:tgtEl>
+                </p:cond>
+              </p:nextCondLst>
+            </p:seq>
+          </p:childTnLst>
+        </p:cTn>
+      </p:par>
+    </p:tnLst>
+  </p:timing>
+</p:sld>
+</file>
+
+<file path=ppt/slides/slide5.xml><?xml version="1.0" encoding="utf-8"?>
+<p:sld xmlns:a="http://schemas.openxmlformats.org/drawingml/2006/main" xmlns:r="http://schemas.openxmlformats.org/officeDocument/2006/relationships" xmlns:p="http://schemas.openxmlformats.org/presentationml/2006/main">
+  <p:cSld>
+    <p:spTree>
+      <p:nvGrpSpPr>
+        <p:cNvPr id="1" name=""/>
+        <p:cNvGrpSpPr/>
+        <p:nvPr/>
+      </p:nvGrpSpPr>
+      <p:grpSpPr>
+        <a:xfrm>
+          <a:off x="0" y="0"/>
+          <a:ext cx="0" cy="0"/>
+          <a:chOff x="0" y="0"/>
+          <a:chExt cx="0" cy="0"/>
+        </a:xfrm>
+      </p:grpSpPr>
+      <p:sp>
+        <p:nvSpPr>
+          <p:cNvPr id="2" name="Title 1">
+            <a:extLst>
+              <a:ext uri="{FF2B5EF4-FFF2-40B4-BE49-F238E27FC236}">
                 <a16:creationId xmlns:a16="http://schemas.microsoft.com/office/drawing/2014/main" id="{FBEB3A41-EF6E-164D-94C6-DCC8A470FA37}"/>
               </a:ext>
             </a:extLst>
@@ -6255,7 +7072,7 @@
 </p:sld>
 </file>
 
-<file path=ppt/slides/slide3.xml><?xml version="1.0" encoding="utf-8"?>
+<file path=ppt/slides/slide6.xml><?xml version="1.0" encoding="utf-8"?>
 <p:sld xmlns:a="http://schemas.openxmlformats.org/drawingml/2006/main" xmlns:r="http://schemas.openxmlformats.org/officeDocument/2006/relationships" xmlns:p="http://schemas.openxmlformats.org/presentationml/2006/main">
   <p:cSld>
     <p:spTree>
@@ -6383,7 +7200,7 @@
 </p:sld>
 </file>
 
-<file path=ppt/slides/slide4.xml><?xml version="1.0" encoding="utf-8"?>
+<file path=ppt/slides/slide7.xml><?xml version="1.0" encoding="utf-8"?>
 <p:sld xmlns:a="http://schemas.openxmlformats.org/drawingml/2006/main" xmlns:r="http://schemas.openxmlformats.org/officeDocument/2006/relationships" xmlns:p="http://schemas.openxmlformats.org/presentationml/2006/main">
   <p:cSld>
     <p:spTree>
@@ -6473,7 +7290,7 @@
 </p:sld>
 </file>
 
-<file path=ppt/slides/slide5.xml><?xml version="1.0" encoding="utf-8"?>
+<file path=ppt/slides/slide8.xml><?xml version="1.0" encoding="utf-8"?>
 <p:sld xmlns:a="http://schemas.openxmlformats.org/drawingml/2006/main" xmlns:r="http://schemas.openxmlformats.org/officeDocument/2006/relationships" xmlns:p="http://schemas.openxmlformats.org/presentationml/2006/main">
   <p:cSld>
     <p:spTree>
@@ -6563,7 +7380,7 @@
 </p:sld>
 </file>
 
-<file path=ppt/slides/slide6.xml><?xml version="1.0" encoding="utf-8"?>
+<file path=ppt/slides/slide9.xml><?xml version="1.0" encoding="utf-8"?>
 <p:sld xmlns:a="http://schemas.openxmlformats.org/drawingml/2006/main" xmlns:r="http://schemas.openxmlformats.org/officeDocument/2006/relationships" xmlns:p="http://schemas.openxmlformats.org/presentationml/2006/main">
   <p:cSld>
     <p:spTree>
@@ -6652,292 +7469,6 @@
     <p:extLst>
       <p:ext uri="{BB962C8B-B14F-4D97-AF65-F5344CB8AC3E}">
         <p14:creationId xmlns:p14="http://schemas.microsoft.com/office/powerpoint/2010/main" val="468488997"/>
-      </p:ext>
-    </p:extLst>
-  </p:cSld>
-  <p:clrMapOvr>
-    <a:masterClrMapping/>
-  </p:clrMapOvr>
-</p:sld>
-</file>
-
-<file path=ppt/slides/slide7.xml><?xml version="1.0" encoding="utf-8"?>
-<p:sld xmlns:a="http://schemas.openxmlformats.org/drawingml/2006/main" xmlns:r="http://schemas.openxmlformats.org/officeDocument/2006/relationships" xmlns:p="http://schemas.openxmlformats.org/presentationml/2006/main">
-  <p:cSld>
-    <p:spTree>
-      <p:nvGrpSpPr>
-        <p:cNvPr id="1" name=""/>
-        <p:cNvGrpSpPr/>
-        <p:nvPr/>
-      </p:nvGrpSpPr>
-      <p:grpSpPr>
-        <a:xfrm>
-          <a:off x="0" y="0"/>
-          <a:ext cx="0" cy="0"/>
-          <a:chOff x="0" y="0"/>
-          <a:chExt cx="0" cy="0"/>
-        </a:xfrm>
-      </p:grpSpPr>
-      <p:sp>
-        <p:nvSpPr>
-          <p:cNvPr id="2" name="Title 1">
-            <a:extLst>
-              <a:ext uri="{FF2B5EF4-FFF2-40B4-BE49-F238E27FC236}">
-                <a16:creationId xmlns:a16="http://schemas.microsoft.com/office/drawing/2014/main" id="{0DBBBD24-4125-F24A-8CEA-14FE2BEE9867}"/>
-              </a:ext>
-            </a:extLst>
-          </p:cNvPr>
-          <p:cNvSpPr>
-            <a:spLocks noGrp="1"/>
-          </p:cNvSpPr>
-          <p:nvPr>
-            <p:ph type="title"/>
-          </p:nvPr>
-        </p:nvSpPr>
-        <p:spPr/>
-        <p:txBody>
-          <a:bodyPr/>
-          <a:lstStyle/>
-          <a:p>
-            <a:r>
-              <a:rPr lang="en-US" dirty="0"/>
-              <a:t>Let’s code Counting Sort…</a:t>
-            </a:r>
-          </a:p>
-        </p:txBody>
-      </p:sp>
-      <p:sp>
-        <p:nvSpPr>
-          <p:cNvPr id="3" name="Content Placeholder 2">
-            <a:extLst>
-              <a:ext uri="{FF2B5EF4-FFF2-40B4-BE49-F238E27FC236}">
-                <a16:creationId xmlns:a16="http://schemas.microsoft.com/office/drawing/2014/main" id="{844DFA85-44DE-2349-9D04-AD731B684FCD}"/>
-              </a:ext>
-            </a:extLst>
-          </p:cNvPr>
-          <p:cNvSpPr>
-            <a:spLocks noGrp="1"/>
-          </p:cNvSpPr>
-          <p:nvPr>
-            <p:ph idx="1"/>
-          </p:nvPr>
-        </p:nvSpPr>
-        <p:spPr/>
-        <p:txBody>
-          <a:bodyPr/>
-          <a:lstStyle/>
-          <a:p>
-            <a:endParaRPr lang="en-US" dirty="0"/>
-          </a:p>
-        </p:txBody>
-      </p:sp>
-    </p:spTree>
-    <p:extLst>
-      <p:ext uri="{BB962C8B-B14F-4D97-AF65-F5344CB8AC3E}">
-        <p14:creationId xmlns:p14="http://schemas.microsoft.com/office/powerpoint/2010/main" val="1377163490"/>
-      </p:ext>
-    </p:extLst>
-  </p:cSld>
-  <p:clrMapOvr>
-    <a:masterClrMapping/>
-  </p:clrMapOvr>
-</p:sld>
-</file>
-
-<file path=ppt/slides/slide8.xml><?xml version="1.0" encoding="utf-8"?>
-<p:sld xmlns:a="http://schemas.openxmlformats.org/drawingml/2006/main" xmlns:r="http://schemas.openxmlformats.org/officeDocument/2006/relationships" xmlns:p="http://schemas.openxmlformats.org/presentationml/2006/main">
-  <p:cSld>
-    <p:spTree>
-      <p:nvGrpSpPr>
-        <p:cNvPr id="1" name=""/>
-        <p:cNvGrpSpPr/>
-        <p:nvPr/>
-      </p:nvGrpSpPr>
-      <p:grpSpPr>
-        <a:xfrm>
-          <a:off x="0" y="0"/>
-          <a:ext cx="0" cy="0"/>
-          <a:chOff x="0" y="0"/>
-          <a:chExt cx="0" cy="0"/>
-        </a:xfrm>
-      </p:grpSpPr>
-      <p:sp>
-        <p:nvSpPr>
-          <p:cNvPr id="2" name="Title 1">
-            <a:extLst>
-              <a:ext uri="{FF2B5EF4-FFF2-40B4-BE49-F238E27FC236}">
-                <a16:creationId xmlns:a16="http://schemas.microsoft.com/office/drawing/2014/main" id="{5AA818DE-094D-AB49-9CB9-F908123A8675}"/>
-              </a:ext>
-            </a:extLst>
-          </p:cNvPr>
-          <p:cNvSpPr>
-            <a:spLocks noGrp="1"/>
-          </p:cNvSpPr>
-          <p:nvPr>
-            <p:ph type="title"/>
-          </p:nvPr>
-        </p:nvSpPr>
-        <p:spPr/>
-        <p:txBody>
-          <a:bodyPr/>
-          <a:lstStyle/>
-          <a:p>
-            <a:r>
-              <a:rPr lang="en-US" dirty="0"/>
-              <a:t>Properties of Counting Sort</a:t>
-            </a:r>
-          </a:p>
-        </p:txBody>
-      </p:sp>
-      <p:sp>
-        <p:nvSpPr>
-          <p:cNvPr id="3" name="Content Placeholder 2">
-            <a:extLst>
-              <a:ext uri="{FF2B5EF4-FFF2-40B4-BE49-F238E27FC236}">
-                <a16:creationId xmlns:a16="http://schemas.microsoft.com/office/drawing/2014/main" id="{36633D48-4EDD-4E4B-9109-BB8E521E0D82}"/>
-              </a:ext>
-            </a:extLst>
-          </p:cNvPr>
-          <p:cNvSpPr>
-            <a:spLocks noGrp="1"/>
-          </p:cNvSpPr>
-          <p:nvPr>
-            <p:ph idx="1"/>
-          </p:nvPr>
-        </p:nvSpPr>
-        <p:spPr/>
-        <p:txBody>
-          <a:bodyPr>
-            <a:normAutofit/>
-          </a:bodyPr>
-          <a:lstStyle/>
-          <a:p>
-            <a:pPr>
-              <a:lnSpc>
-                <a:spcPct val="150000"/>
-              </a:lnSpc>
-            </a:pPr>
-            <a:r>
-              <a:rPr lang="en-US" sz="2800" dirty="0"/>
-              <a:t>Runs in O(n) time, faster than comparison-based algorithms like quicksort or mergesort</a:t>
-            </a:r>
-          </a:p>
-          <a:p>
-            <a:pPr>
-              <a:lnSpc>
-                <a:spcPct val="150000"/>
-              </a:lnSpc>
-            </a:pPr>
-            <a:r>
-              <a:rPr lang="en-US" sz="2800" dirty="0"/>
-              <a:t>Only works when the range of items in the input is known</a:t>
-            </a:r>
-          </a:p>
-          <a:p>
-            <a:pPr>
-              <a:lnSpc>
-                <a:spcPct val="150000"/>
-              </a:lnSpc>
-            </a:pPr>
-            <a:r>
-              <a:rPr lang="en-US" sz="2800" dirty="0"/>
-              <a:t>Becomes inefficient when the range is too big, because the count array will take up too much space</a:t>
-            </a:r>
-          </a:p>
-        </p:txBody>
-      </p:sp>
-    </p:spTree>
-    <p:extLst>
-      <p:ext uri="{BB962C8B-B14F-4D97-AF65-F5344CB8AC3E}">
-        <p14:creationId xmlns:p14="http://schemas.microsoft.com/office/powerpoint/2010/main" val="4187443330"/>
-      </p:ext>
-    </p:extLst>
-  </p:cSld>
-  <p:clrMapOvr>
-    <a:masterClrMapping/>
-  </p:clrMapOvr>
-</p:sld>
-</file>
-
-<file path=ppt/slides/slide9.xml><?xml version="1.0" encoding="utf-8"?>
-<p:sld xmlns:a="http://schemas.openxmlformats.org/drawingml/2006/main" xmlns:r="http://schemas.openxmlformats.org/officeDocument/2006/relationships" xmlns:p="http://schemas.openxmlformats.org/presentationml/2006/main">
-  <p:cSld>
-    <p:spTree>
-      <p:nvGrpSpPr>
-        <p:cNvPr id="1" name=""/>
-        <p:cNvGrpSpPr/>
-        <p:nvPr/>
-      </p:nvGrpSpPr>
-      <p:grpSpPr>
-        <a:xfrm>
-          <a:off x="0" y="0"/>
-          <a:ext cx="0" cy="0"/>
-          <a:chOff x="0" y="0"/>
-          <a:chExt cx="0" cy="0"/>
-        </a:xfrm>
-      </p:grpSpPr>
-      <p:sp>
-        <p:nvSpPr>
-          <p:cNvPr id="2" name="Title 1">
-            <a:extLst>
-              <a:ext uri="{FF2B5EF4-FFF2-40B4-BE49-F238E27FC236}">
-                <a16:creationId xmlns:a16="http://schemas.microsoft.com/office/drawing/2014/main" id="{D24E1167-3DB5-064B-8DFC-01DA983DAB5D}"/>
-              </a:ext>
-            </a:extLst>
-          </p:cNvPr>
-          <p:cNvSpPr>
-            <a:spLocks noGrp="1"/>
-          </p:cNvSpPr>
-          <p:nvPr>
-            <p:ph type="title"/>
-          </p:nvPr>
-        </p:nvSpPr>
-        <p:spPr/>
-        <p:txBody>
-          <a:bodyPr/>
-          <a:lstStyle/>
-          <a:p>
-            <a:r>
-              <a:rPr lang="en-US" dirty="0"/>
-              <a:t>CCC 2017-S3 Nailed It!</a:t>
-            </a:r>
-          </a:p>
-        </p:txBody>
-      </p:sp>
-      <p:pic>
-        <p:nvPicPr>
-          <p:cNvPr id="4" name="Picture 3">
-            <a:extLst>
-              <a:ext uri="{FF2B5EF4-FFF2-40B4-BE49-F238E27FC236}">
-                <a16:creationId xmlns:a16="http://schemas.microsoft.com/office/drawing/2014/main" id="{CCCDB3BE-D05B-D24D-BEA4-F59E7979559E}"/>
-              </a:ext>
-            </a:extLst>
-          </p:cNvPr>
-          <p:cNvPicPr>
-            <a:picLocks noChangeAspect="1"/>
-          </p:cNvPicPr>
-          <p:nvPr/>
-        </p:nvPicPr>
-        <p:blipFill>
-          <a:blip r:embed="rId3"/>
-          <a:stretch>
-            <a:fillRect/>
-          </a:stretch>
-        </p:blipFill>
-        <p:spPr>
-          <a:xfrm>
-            <a:off x="777240" y="1647722"/>
-            <a:ext cx="7865315" cy="4735748"/>
-          </a:xfrm>
-          <a:prstGeom prst="rect">
-            <a:avLst/>
-          </a:prstGeom>
-        </p:spPr>
-      </p:pic>
-    </p:spTree>
-    <p:extLst>
-      <p:ext uri="{BB962C8B-B14F-4D97-AF65-F5344CB8AC3E}">
-        <p14:creationId xmlns:p14="http://schemas.microsoft.com/office/powerpoint/2010/main" val="672253183"/>
       </p:ext>
     </p:extLst>
   </p:cSld>
